--- a/Make_web/Blog_design.pptx
+++ b/Make_web/Blog_design.pptx
@@ -104,6 +104,11 @@
       </a:defRPr>
     </a:lvl9pPr>
   </p:defaultTextStyle>
+  <p:extLst>
+    <p:ext uri="{EFAFB233-063F-42B5-8137-9DF3F51BA10A}">
+      <p15:sldGuideLst xmlns:p15="http://schemas.microsoft.com/office/powerpoint/2012/main"/>
+    </p:ext>
+  </p:extLst>
 </p:presentation>
 </file>
 
@@ -266,7 +271,7 @@
           <a:p>
             <a:fld id="{051CC42D-6631-4CCB-98B0-C8231F169448}" type="datetimeFigureOut">
               <a:rPr lang="ko-KR" altLang="en-US" smtClean="0"/>
-              <a:t>2020-07-08</a:t>
+              <a:t>2020-07-29</a:t>
             </a:fld>
             <a:endParaRPr lang="ko-KR" altLang="en-US"/>
           </a:p>
@@ -464,7 +469,7 @@
           <a:p>
             <a:fld id="{051CC42D-6631-4CCB-98B0-C8231F169448}" type="datetimeFigureOut">
               <a:rPr lang="ko-KR" altLang="en-US" smtClean="0"/>
-              <a:t>2020-07-08</a:t>
+              <a:t>2020-07-29</a:t>
             </a:fld>
             <a:endParaRPr lang="ko-KR" altLang="en-US"/>
           </a:p>
@@ -672,7 +677,7 @@
           <a:p>
             <a:fld id="{051CC42D-6631-4CCB-98B0-C8231F169448}" type="datetimeFigureOut">
               <a:rPr lang="ko-KR" altLang="en-US" smtClean="0"/>
-              <a:t>2020-07-08</a:t>
+              <a:t>2020-07-29</a:t>
             </a:fld>
             <a:endParaRPr lang="ko-KR" altLang="en-US"/>
           </a:p>
@@ -870,7 +875,7 @@
           <a:p>
             <a:fld id="{051CC42D-6631-4CCB-98B0-C8231F169448}" type="datetimeFigureOut">
               <a:rPr lang="ko-KR" altLang="en-US" smtClean="0"/>
-              <a:t>2020-07-08</a:t>
+              <a:t>2020-07-29</a:t>
             </a:fld>
             <a:endParaRPr lang="ko-KR" altLang="en-US"/>
           </a:p>
@@ -1145,7 +1150,7 @@
           <a:p>
             <a:fld id="{051CC42D-6631-4CCB-98B0-C8231F169448}" type="datetimeFigureOut">
               <a:rPr lang="ko-KR" altLang="en-US" smtClean="0"/>
-              <a:t>2020-07-08</a:t>
+              <a:t>2020-07-29</a:t>
             </a:fld>
             <a:endParaRPr lang="ko-KR" altLang="en-US"/>
           </a:p>
@@ -1410,7 +1415,7 @@
           <a:p>
             <a:fld id="{051CC42D-6631-4CCB-98B0-C8231F169448}" type="datetimeFigureOut">
               <a:rPr lang="ko-KR" altLang="en-US" smtClean="0"/>
-              <a:t>2020-07-08</a:t>
+              <a:t>2020-07-29</a:t>
             </a:fld>
             <a:endParaRPr lang="ko-KR" altLang="en-US"/>
           </a:p>
@@ -1822,7 +1827,7 @@
           <a:p>
             <a:fld id="{051CC42D-6631-4CCB-98B0-C8231F169448}" type="datetimeFigureOut">
               <a:rPr lang="ko-KR" altLang="en-US" smtClean="0"/>
-              <a:t>2020-07-08</a:t>
+              <a:t>2020-07-29</a:t>
             </a:fld>
             <a:endParaRPr lang="ko-KR" altLang="en-US"/>
           </a:p>
@@ -1963,7 +1968,7 @@
           <a:p>
             <a:fld id="{051CC42D-6631-4CCB-98B0-C8231F169448}" type="datetimeFigureOut">
               <a:rPr lang="ko-KR" altLang="en-US" smtClean="0"/>
-              <a:t>2020-07-08</a:t>
+              <a:t>2020-07-29</a:t>
             </a:fld>
             <a:endParaRPr lang="ko-KR" altLang="en-US"/>
           </a:p>
@@ -2076,7 +2081,7 @@
           <a:p>
             <a:fld id="{051CC42D-6631-4CCB-98B0-C8231F169448}" type="datetimeFigureOut">
               <a:rPr lang="ko-KR" altLang="en-US" smtClean="0"/>
-              <a:t>2020-07-08</a:t>
+              <a:t>2020-07-29</a:t>
             </a:fld>
             <a:endParaRPr lang="ko-KR" altLang="en-US"/>
           </a:p>
@@ -2387,7 +2392,7 @@
           <a:p>
             <a:fld id="{051CC42D-6631-4CCB-98B0-C8231F169448}" type="datetimeFigureOut">
               <a:rPr lang="ko-KR" altLang="en-US" smtClean="0"/>
-              <a:t>2020-07-08</a:t>
+              <a:t>2020-07-29</a:t>
             </a:fld>
             <a:endParaRPr lang="ko-KR" altLang="en-US"/>
           </a:p>
@@ -2675,7 +2680,7 @@
           <a:p>
             <a:fld id="{051CC42D-6631-4CCB-98B0-C8231F169448}" type="datetimeFigureOut">
               <a:rPr lang="ko-KR" altLang="en-US" smtClean="0"/>
-              <a:t>2020-07-08</a:t>
+              <a:t>2020-07-29</a:t>
             </a:fld>
             <a:endParaRPr lang="ko-KR" altLang="en-US"/>
           </a:p>
@@ -2916,7 +2921,7 @@
           <a:p>
             <a:fld id="{051CC42D-6631-4CCB-98B0-C8231F169448}" type="datetimeFigureOut">
               <a:rPr lang="ko-KR" altLang="en-US" smtClean="0"/>
-              <a:t>2020-07-08</a:t>
+              <a:t>2020-07-29</a:t>
             </a:fld>
             <a:endParaRPr lang="ko-KR" altLang="en-US"/>
           </a:p>
@@ -3347,7 +3352,7 @@
         </p:nvSpPr>
         <p:spPr>
           <a:xfrm>
-            <a:off x="0" y="0"/>
+            <a:off x="0" y="1178"/>
             <a:ext cx="12187606" cy="1226596"/>
           </a:xfrm>
           <a:prstGeom prst="rect">
@@ -3792,8 +3797,8 @@
                 <a:solidFill>
                   <a:schemeClr val="bg1"/>
                 </a:solidFill>
-                <a:latin typeface="나눔스퀘어_ac ExtraBold" panose="020B0600000101010101" pitchFamily="50" charset="-127"/>
-                <a:ea typeface="나눔스퀘어_ac ExtraBold" panose="020B0600000101010101" pitchFamily="50" charset="-127"/>
+                <a:latin typeface="나눔스퀘어_ac Bold" panose="020B0600000101010101" pitchFamily="50" charset="-127"/>
+                <a:ea typeface="나눔스퀘어_ac Bold" panose="020B0600000101010101" pitchFamily="50" charset="-127"/>
               </a:rPr>
               <a:t>BLOG</a:t>
             </a:r>
@@ -3801,8 +3806,8 @@
               <a:solidFill>
                 <a:schemeClr val="bg1"/>
               </a:solidFill>
-              <a:latin typeface="나눔스퀘어_ac ExtraBold" panose="020B0600000101010101" pitchFamily="50" charset="-127"/>
-              <a:ea typeface="나눔스퀘어_ac ExtraBold" panose="020B0600000101010101" pitchFamily="50" charset="-127"/>
+              <a:latin typeface="나눔스퀘어_ac Bold" panose="020B0600000101010101" pitchFamily="50" charset="-127"/>
+              <a:ea typeface="나눔스퀘어_ac Bold" panose="020B0600000101010101" pitchFamily="50" charset="-127"/>
             </a:endParaRPr>
           </a:p>
         </p:txBody>
@@ -3821,7 +3826,7 @@
         </p:nvSpPr>
         <p:spPr>
           <a:xfrm>
-            <a:off x="4169126" y="1742292"/>
+            <a:off x="3957820" y="1494873"/>
             <a:ext cx="6551110" cy="5115708"/>
           </a:xfrm>
           <a:prstGeom prst="rect">
@@ -4575,7 +4580,7 @@
         </p:nvSpPr>
         <p:spPr>
           <a:xfrm>
-            <a:off x="116508" y="782720"/>
+            <a:off x="146561" y="809398"/>
             <a:ext cx="1733957" cy="369332"/>
           </a:xfrm>
           <a:prstGeom prst="rect">
@@ -4609,6 +4614,42 @@
           </a:p>
         </p:txBody>
       </p:sp>
+      <p:cxnSp>
+        <p:nvCxnSpPr>
+          <p:cNvPr id="5" name="직선 연결선 4">
+            <a:extLst>
+              <a:ext uri="{FF2B5EF4-FFF2-40B4-BE49-F238E27FC236}">
+                <a16:creationId xmlns:a16="http://schemas.microsoft.com/office/drawing/2014/main" id="{1FA70030-4D77-43FD-BD85-C15BFB62AE51}"/>
+              </a:ext>
+            </a:extLst>
+          </p:cNvPr>
+          <p:cNvCxnSpPr/>
+          <p:nvPr/>
+        </p:nvCxnSpPr>
+        <p:spPr>
+          <a:xfrm>
+            <a:off x="2829142" y="5638800"/>
+            <a:ext cx="0" cy="615320"/>
+          </a:xfrm>
+          <a:prstGeom prst="line">
+            <a:avLst/>
+          </a:prstGeom>
+        </p:spPr>
+        <p:style>
+          <a:lnRef idx="3">
+            <a:schemeClr val="dk1"/>
+          </a:lnRef>
+          <a:fillRef idx="0">
+            <a:schemeClr val="dk1"/>
+          </a:fillRef>
+          <a:effectRef idx="2">
+            <a:schemeClr val="dk1"/>
+          </a:effectRef>
+          <a:fontRef idx="minor">
+            <a:schemeClr val="tx1"/>
+          </a:fontRef>
+        </p:style>
+      </p:cxnSp>
     </p:spTree>
     <p:extLst>
       <p:ext uri="{BB962C8B-B14F-4D97-AF65-F5344CB8AC3E}">

--- a/Make_web/Blog_design.pptx
+++ b/Make_web/Blog_design.pptx
@@ -104,11 +104,6 @@
       </a:defRPr>
     </a:lvl9pPr>
   </p:defaultTextStyle>
-  <p:extLst>
-    <p:ext uri="{EFAFB233-063F-42B5-8137-9DF3F51BA10A}">
-      <p15:sldGuideLst xmlns:p15="http://schemas.microsoft.com/office/powerpoint/2012/main"/>
-    </p:ext>
-  </p:extLst>
 </p:presentation>
 </file>
 
@@ -271,7 +266,7 @@
           <a:p>
             <a:fld id="{051CC42D-6631-4CCB-98B0-C8231F169448}" type="datetimeFigureOut">
               <a:rPr lang="ko-KR" altLang="en-US" smtClean="0"/>
-              <a:t>2020-07-29</a:t>
+              <a:t>2020-07-08</a:t>
             </a:fld>
             <a:endParaRPr lang="ko-KR" altLang="en-US"/>
           </a:p>
@@ -469,7 +464,7 @@
           <a:p>
             <a:fld id="{051CC42D-6631-4CCB-98B0-C8231F169448}" type="datetimeFigureOut">
               <a:rPr lang="ko-KR" altLang="en-US" smtClean="0"/>
-              <a:t>2020-07-29</a:t>
+              <a:t>2020-07-08</a:t>
             </a:fld>
             <a:endParaRPr lang="ko-KR" altLang="en-US"/>
           </a:p>
@@ -677,7 +672,7 @@
           <a:p>
             <a:fld id="{051CC42D-6631-4CCB-98B0-C8231F169448}" type="datetimeFigureOut">
               <a:rPr lang="ko-KR" altLang="en-US" smtClean="0"/>
-              <a:t>2020-07-29</a:t>
+              <a:t>2020-07-08</a:t>
             </a:fld>
             <a:endParaRPr lang="ko-KR" altLang="en-US"/>
           </a:p>
@@ -875,7 +870,7 @@
           <a:p>
             <a:fld id="{051CC42D-6631-4CCB-98B0-C8231F169448}" type="datetimeFigureOut">
               <a:rPr lang="ko-KR" altLang="en-US" smtClean="0"/>
-              <a:t>2020-07-29</a:t>
+              <a:t>2020-07-08</a:t>
             </a:fld>
             <a:endParaRPr lang="ko-KR" altLang="en-US"/>
           </a:p>
@@ -1150,7 +1145,7 @@
           <a:p>
             <a:fld id="{051CC42D-6631-4CCB-98B0-C8231F169448}" type="datetimeFigureOut">
               <a:rPr lang="ko-KR" altLang="en-US" smtClean="0"/>
-              <a:t>2020-07-29</a:t>
+              <a:t>2020-07-08</a:t>
             </a:fld>
             <a:endParaRPr lang="ko-KR" altLang="en-US"/>
           </a:p>
@@ -1415,7 +1410,7 @@
           <a:p>
             <a:fld id="{051CC42D-6631-4CCB-98B0-C8231F169448}" type="datetimeFigureOut">
               <a:rPr lang="ko-KR" altLang="en-US" smtClean="0"/>
-              <a:t>2020-07-29</a:t>
+              <a:t>2020-07-08</a:t>
             </a:fld>
             <a:endParaRPr lang="ko-KR" altLang="en-US"/>
           </a:p>
@@ -1827,7 +1822,7 @@
           <a:p>
             <a:fld id="{051CC42D-6631-4CCB-98B0-C8231F169448}" type="datetimeFigureOut">
               <a:rPr lang="ko-KR" altLang="en-US" smtClean="0"/>
-              <a:t>2020-07-29</a:t>
+              <a:t>2020-07-08</a:t>
             </a:fld>
             <a:endParaRPr lang="ko-KR" altLang="en-US"/>
           </a:p>
@@ -1968,7 +1963,7 @@
           <a:p>
             <a:fld id="{051CC42D-6631-4CCB-98B0-C8231F169448}" type="datetimeFigureOut">
               <a:rPr lang="ko-KR" altLang="en-US" smtClean="0"/>
-              <a:t>2020-07-29</a:t>
+              <a:t>2020-07-08</a:t>
             </a:fld>
             <a:endParaRPr lang="ko-KR" altLang="en-US"/>
           </a:p>
@@ -2081,7 +2076,7 @@
           <a:p>
             <a:fld id="{051CC42D-6631-4CCB-98B0-C8231F169448}" type="datetimeFigureOut">
               <a:rPr lang="ko-KR" altLang="en-US" smtClean="0"/>
-              <a:t>2020-07-29</a:t>
+              <a:t>2020-07-08</a:t>
             </a:fld>
             <a:endParaRPr lang="ko-KR" altLang="en-US"/>
           </a:p>
@@ -2392,7 +2387,7 @@
           <a:p>
             <a:fld id="{051CC42D-6631-4CCB-98B0-C8231F169448}" type="datetimeFigureOut">
               <a:rPr lang="ko-KR" altLang="en-US" smtClean="0"/>
-              <a:t>2020-07-29</a:t>
+              <a:t>2020-07-08</a:t>
             </a:fld>
             <a:endParaRPr lang="ko-KR" altLang="en-US"/>
           </a:p>
@@ -2680,7 +2675,7 @@
           <a:p>
             <a:fld id="{051CC42D-6631-4CCB-98B0-C8231F169448}" type="datetimeFigureOut">
               <a:rPr lang="ko-KR" altLang="en-US" smtClean="0"/>
-              <a:t>2020-07-29</a:t>
+              <a:t>2020-07-08</a:t>
             </a:fld>
             <a:endParaRPr lang="ko-KR" altLang="en-US"/>
           </a:p>
@@ -2921,7 +2916,7 @@
           <a:p>
             <a:fld id="{051CC42D-6631-4CCB-98B0-C8231F169448}" type="datetimeFigureOut">
               <a:rPr lang="ko-KR" altLang="en-US" smtClean="0"/>
-              <a:t>2020-07-29</a:t>
+              <a:t>2020-07-08</a:t>
             </a:fld>
             <a:endParaRPr lang="ko-KR" altLang="en-US"/>
           </a:p>
@@ -3352,7 +3347,7 @@
         </p:nvSpPr>
         <p:spPr>
           <a:xfrm>
-            <a:off x="0" y="1178"/>
+            <a:off x="0" y="0"/>
             <a:ext cx="12187606" cy="1226596"/>
           </a:xfrm>
           <a:prstGeom prst="rect">
@@ -3797,8 +3792,8 @@
                 <a:solidFill>
                   <a:schemeClr val="bg1"/>
                 </a:solidFill>
-                <a:latin typeface="나눔스퀘어_ac Bold" panose="020B0600000101010101" pitchFamily="50" charset="-127"/>
-                <a:ea typeface="나눔스퀘어_ac Bold" panose="020B0600000101010101" pitchFamily="50" charset="-127"/>
+                <a:latin typeface="나눔스퀘어_ac ExtraBold" panose="020B0600000101010101" pitchFamily="50" charset="-127"/>
+                <a:ea typeface="나눔스퀘어_ac ExtraBold" panose="020B0600000101010101" pitchFamily="50" charset="-127"/>
               </a:rPr>
               <a:t>BLOG</a:t>
             </a:r>
@@ -3806,8 +3801,8 @@
               <a:solidFill>
                 <a:schemeClr val="bg1"/>
               </a:solidFill>
-              <a:latin typeface="나눔스퀘어_ac Bold" panose="020B0600000101010101" pitchFamily="50" charset="-127"/>
-              <a:ea typeface="나눔스퀘어_ac Bold" panose="020B0600000101010101" pitchFamily="50" charset="-127"/>
+              <a:latin typeface="나눔스퀘어_ac ExtraBold" panose="020B0600000101010101" pitchFamily="50" charset="-127"/>
+              <a:ea typeface="나눔스퀘어_ac ExtraBold" panose="020B0600000101010101" pitchFamily="50" charset="-127"/>
             </a:endParaRPr>
           </a:p>
         </p:txBody>
@@ -3826,7 +3821,7 @@
         </p:nvSpPr>
         <p:spPr>
           <a:xfrm>
-            <a:off x="3957820" y="1494873"/>
+            <a:off x="4169126" y="1742292"/>
             <a:ext cx="6551110" cy="5115708"/>
           </a:xfrm>
           <a:prstGeom prst="rect">
@@ -4580,7 +4575,7 @@
         </p:nvSpPr>
         <p:spPr>
           <a:xfrm>
-            <a:off x="146561" y="809398"/>
+            <a:off x="116508" y="782720"/>
             <a:ext cx="1733957" cy="369332"/>
           </a:xfrm>
           <a:prstGeom prst="rect">
@@ -4614,42 +4609,6 @@
           </a:p>
         </p:txBody>
       </p:sp>
-      <p:cxnSp>
-        <p:nvCxnSpPr>
-          <p:cNvPr id="5" name="직선 연결선 4">
-            <a:extLst>
-              <a:ext uri="{FF2B5EF4-FFF2-40B4-BE49-F238E27FC236}">
-                <a16:creationId xmlns:a16="http://schemas.microsoft.com/office/drawing/2014/main" id="{1FA70030-4D77-43FD-BD85-C15BFB62AE51}"/>
-              </a:ext>
-            </a:extLst>
-          </p:cNvPr>
-          <p:cNvCxnSpPr/>
-          <p:nvPr/>
-        </p:nvCxnSpPr>
-        <p:spPr>
-          <a:xfrm>
-            <a:off x="2829142" y="5638800"/>
-            <a:ext cx="0" cy="615320"/>
-          </a:xfrm>
-          <a:prstGeom prst="line">
-            <a:avLst/>
-          </a:prstGeom>
-        </p:spPr>
-        <p:style>
-          <a:lnRef idx="3">
-            <a:schemeClr val="dk1"/>
-          </a:lnRef>
-          <a:fillRef idx="0">
-            <a:schemeClr val="dk1"/>
-          </a:fillRef>
-          <a:effectRef idx="2">
-            <a:schemeClr val="dk1"/>
-          </a:effectRef>
-          <a:fontRef idx="minor">
-            <a:schemeClr val="tx1"/>
-          </a:fontRef>
-        </p:style>
-      </p:cxnSp>
     </p:spTree>
     <p:extLst>
       <p:ext uri="{BB962C8B-B14F-4D97-AF65-F5344CB8AC3E}">
